--- a/Hackathon_network.pptx
+++ b/Hackathon_network.pptx
@@ -16,6 +16,7 @@
     <p:sldId id="264" r:id="rId11"/>
     <p:sldId id="265" r:id="rId12"/>
     <p:sldId id="266" r:id="rId13"/>
+    <p:sldId id="267" r:id="rId14"/>
   </p:sldIdLst>
   <p:sldSz cx="9144000" cy="6858000"/>
   <p:notesSz cx="7559675" cy="10691812"/>
@@ -1503,7 +1504,7 @@
                 <a:spcPct val="100000"/>
               </a:lnSpc>
             </a:pPr>
-            <a:fld id="{B3DFD4C5-C403-4F93-98E3-7191B81DFAEA}" type="slidenum">
+            <a:fld id="{CE116384-1EA6-45F1-95C3-C0C59BE1B8BD}" type="slidenum">
               <a:rPr b="0" lang="en-US" sz="800" spc="-1" strike="noStrike">
                 <a:solidFill>
                   <a:srgbClr val="00245b"/>
@@ -2330,6 +2331,72 @@
               <a:latin typeface="Calibri"/>
             </a:endParaRPr>
           </a:p>
+          <a:p>
+            <a:pPr marL="432000" indent="-324000">
+              <a:spcBef>
+                <a:spcPts val="1417"/>
+              </a:spcBef>
+              <a:buClr>
+                <a:srgbClr val="000000"/>
+              </a:buClr>
+              <a:buSzPct val="45000"/>
+              <a:buFont typeface="Wingdings" charset="2"/>
+              <a:buChar char=""/>
+            </a:pPr>
+            <a:endParaRPr b="0" lang="en-US" sz="2400" spc="-1" strike="noStrike">
+              <a:solidFill>
+                <a:srgbClr val="333333"/>
+              </a:solidFill>
+              <a:latin typeface="Calibri"/>
+            </a:endParaRPr>
+          </a:p>
+          <a:p>
+            <a:pPr marL="432000" indent="-324000">
+              <a:spcBef>
+                <a:spcPts val="1417"/>
+              </a:spcBef>
+              <a:buClr>
+                <a:srgbClr val="000000"/>
+              </a:buClr>
+              <a:buSzPct val="45000"/>
+              <a:buFont typeface="Wingdings" charset="2"/>
+              <a:buChar char=""/>
+            </a:pPr>
+            <a:endParaRPr b="0" lang="en-US" sz="2400" spc="-1" strike="noStrike">
+              <a:solidFill>
+                <a:srgbClr val="333333"/>
+              </a:solidFill>
+              <a:latin typeface="Calibri"/>
+            </a:endParaRPr>
+          </a:p>
+          <a:p>
+            <a:pPr marL="432000" indent="-324000">
+              <a:spcBef>
+                <a:spcPts val="1417"/>
+              </a:spcBef>
+              <a:buClr>
+                <a:srgbClr val="000000"/>
+              </a:buClr>
+              <a:buSzPct val="45000"/>
+              <a:buFont typeface="Wingdings" charset="2"/>
+              <a:buChar char=""/>
+            </a:pPr>
+            <a:r>
+              <a:rPr b="0" lang="en-US" sz="2400" spc="-1" strike="noStrike">
+                <a:solidFill>
+                  <a:srgbClr val="333333"/>
+                </a:solidFill>
+                <a:latin typeface="Calibri"/>
+              </a:rPr>
+              <a:t>Add parameters to network: e.g. zonal statistics</a:t>
+            </a:r>
+            <a:endParaRPr b="0" lang="en-US" sz="2400" spc="-1" strike="noStrike">
+              <a:solidFill>
+                <a:srgbClr val="333333"/>
+              </a:solidFill>
+              <a:latin typeface="Calibri"/>
+            </a:endParaRPr>
+          </a:p>
         </p:txBody>
       </p:sp>
     </p:spTree>
@@ -2410,7 +2477,7 @@
                 </a:solidFill>
                 <a:latin typeface="Verdana"/>
               </a:rPr>
-              <a:t>Add parameters to network</a:t>
+              <a:t>Directed Network topology</a:t>
             </a:r>
             <a:endParaRPr b="0" lang="en-US" sz="3200" spc="-1" strike="noStrike">
               <a:solidFill>
@@ -2463,17 +2530,40 @@
                 </a:solidFill>
                 <a:latin typeface="Calibri"/>
               </a:rPr>
-              <a:t>Neighboring regions </a:t>
-            </a:r>
-            <a:endParaRPr b="0" lang="en-US" sz="2400" spc="-1" strike="noStrike">
-              <a:solidFill>
-                <a:srgbClr val="333333"/>
-              </a:solidFill>
-              <a:latin typeface="Calibri"/>
-            </a:endParaRPr>
-          </a:p>
-        </p:txBody>
-      </p:sp>
+              <a:t> </a:t>
+            </a:r>
+            <a:endParaRPr b="0" lang="en-US" sz="2400" spc="-1" strike="noStrike">
+              <a:solidFill>
+                <a:srgbClr val="333333"/>
+              </a:solidFill>
+              <a:latin typeface="Calibri"/>
+            </a:endParaRPr>
+          </a:p>
+        </p:txBody>
+      </p:sp>
+      <p:pic>
+        <p:nvPicPr>
+          <p:cNvPr id="77" name="" descr=""/>
+          <p:cNvPicPr/>
+          <p:nvPr/>
+        </p:nvPicPr>
+        <p:blipFill>
+          <a:blip r:embed="rId1"/>
+          <a:stretch/>
+        </p:blipFill>
+        <p:spPr>
+          <a:xfrm>
+            <a:off x="17280" y="1625400"/>
+            <a:ext cx="9143640" cy="5187960"/>
+          </a:xfrm>
+          <a:prstGeom prst="rect">
+            <a:avLst/>
+          </a:prstGeom>
+          <a:ln>
+            <a:noFill/>
+          </a:ln>
+        </p:spPr>
+      </p:pic>
     </p:spTree>
   </p:cSld>
   <p:timing>
@@ -2483,6 +2573,206 @@
           <p:childTnLst>
             <p:seq>
               <p:cTn id="22" dur="indefinite" nodeType="mainSeq"/>
+              <p:prevCondLst>
+                <p:cond delay="0" evt="onPrev">
+                  <p:tgtEl>
+                    <p:sldTgt/>
+                  </p:tgtEl>
+                </p:cond>
+              </p:prevCondLst>
+              <p:nextCondLst>
+                <p:cond delay="0" evt="onNext">
+                  <p:tgtEl>
+                    <p:sldTgt/>
+                  </p:tgtEl>
+                </p:cond>
+              </p:nextCondLst>
+            </p:seq>
+          </p:childTnLst>
+        </p:cTn>
+      </p:par>
+    </p:tnLst>
+  </p:timing>
+</p:sld>
+</file>
+
+<file path=ppt/slides/slide12.xml><?xml version="1.0" encoding="utf-8"?>
+<p:sld xmlns:a="http://schemas.openxmlformats.org/drawingml/2006/main" xmlns:p="http://schemas.openxmlformats.org/presentationml/2006/main" xmlns:r="http://schemas.openxmlformats.org/officeDocument/2006/relationships" xmlns:p14="http://schemas.microsoft.com/office/powerpoint/2010/main" xmlns:p15="http://schemas.microsoft.com/office/powerpoint/2012/main" xmlns:mc="http://schemas.openxmlformats.org/markup-compatibility/2006">
+  <p:cSld>
+    <p:spTree>
+      <p:nvGrpSpPr>
+        <p:cNvPr id="1" name=""/>
+        <p:cNvGrpSpPr/>
+        <p:nvPr/>
+      </p:nvGrpSpPr>
+      <p:grpSpPr>
+        <a:xfrm>
+          <a:off x="0" y="0"/>
+          <a:ext cx="0" cy="0"/>
+          <a:chOff x="0" y="0"/>
+          <a:chExt cx="0" cy="0"/>
+        </a:xfrm>
+      </p:grpSpPr>
+      <p:sp>
+        <p:nvSpPr>
+          <p:cNvPr id="78" name="TextShape 1"/>
+          <p:cNvSpPr txBox="1"/>
+          <p:nvPr/>
+        </p:nvSpPr>
+        <p:spPr>
+          <a:xfrm>
+            <a:off x="516600" y="365760"/>
+            <a:ext cx="8353080" cy="972720"/>
+          </a:xfrm>
+          <a:prstGeom prst="rect">
+            <a:avLst/>
+          </a:prstGeom>
+          <a:noFill/>
+          <a:ln>
+            <a:noFill/>
+          </a:ln>
+        </p:spPr>
+        <p:txBody>
+          <a:bodyPr lIns="0" rIns="0" tIns="0" bIns="0" anchor="ctr"/>
+          <a:p>
+            <a:r>
+              <a:rPr b="0" lang="en-US" sz="3200" spc="-1" strike="noStrike">
+                <a:solidFill>
+                  <a:srgbClr val="333333"/>
+                </a:solidFill>
+                <a:latin typeface="Verdana"/>
+              </a:rPr>
+              <a:t>Node centrality versus lanscape type</a:t>
+            </a:r>
+            <a:endParaRPr b="0" lang="en-US" sz="3200" spc="-1" strike="noStrike">
+              <a:solidFill>
+                <a:srgbClr val="333333"/>
+              </a:solidFill>
+              <a:latin typeface="Verdana"/>
+            </a:endParaRPr>
+          </a:p>
+        </p:txBody>
+      </p:sp>
+      <p:pic>
+        <p:nvPicPr>
+          <p:cNvPr id="79" name="" descr=""/>
+          <p:cNvPicPr/>
+          <p:nvPr/>
+        </p:nvPicPr>
+        <p:blipFill>
+          <a:blip r:embed="rId1"/>
+          <a:stretch/>
+        </p:blipFill>
+        <p:spPr>
+          <a:xfrm>
+            <a:off x="238680" y="1308960"/>
+            <a:ext cx="6985080" cy="5511240"/>
+          </a:xfrm>
+          <a:prstGeom prst="rect">
+            <a:avLst/>
+          </a:prstGeom>
+          <a:ln>
+            <a:noFill/>
+          </a:ln>
+        </p:spPr>
+      </p:pic>
+      <p:sp>
+        <p:nvSpPr>
+          <p:cNvPr id="80" name="CustomShape 2"/>
+          <p:cNvSpPr/>
+          <p:nvPr/>
+        </p:nvSpPr>
+        <p:spPr>
+          <a:xfrm>
+            <a:off x="822960" y="1201680"/>
+            <a:ext cx="2651760" cy="1632960"/>
+          </a:xfrm>
+          <a:prstGeom prst="rect">
+            <a:avLst/>
+          </a:prstGeom>
+          <a:noFill/>
+          <a:ln>
+            <a:noFill/>
+          </a:ln>
+        </p:spPr>
+        <p:style>
+          <a:lnRef idx="0"/>
+          <a:fillRef idx="0"/>
+          <a:effectRef idx="0"/>
+          <a:fontRef idx="minor"/>
+        </p:style>
+      </p:sp>
+      <p:sp>
+        <p:nvSpPr>
+          <p:cNvPr id="81" name="TextShape 3"/>
+          <p:cNvSpPr txBox="1"/>
+          <p:nvPr/>
+        </p:nvSpPr>
+        <p:spPr>
+          <a:xfrm>
+            <a:off x="5634000" y="1827360"/>
+            <a:ext cx="2651760" cy="367200"/>
+          </a:xfrm>
+          <a:prstGeom prst="rect">
+            <a:avLst/>
+          </a:prstGeom>
+          <a:noFill/>
+          <a:ln>
+            <a:noFill/>
+          </a:ln>
+        </p:spPr>
+        <p:txBody>
+          <a:bodyPr lIns="0" rIns="0" tIns="0" bIns="0">
+            <a:normAutofit/>
+          </a:bodyPr>
+          <a:p>
+            <a:pPr marL="432000" indent="-324000">
+              <a:spcBef>
+                <a:spcPts val="1417"/>
+              </a:spcBef>
+              <a:buClr>
+                <a:srgbClr val="000000"/>
+              </a:buClr>
+              <a:buSzPct val="45000"/>
+              <a:buFont typeface="Wingdings" charset="2"/>
+              <a:buChar char=""/>
+            </a:pPr>
+            <a:r>
+              <a:rPr b="0" lang="en-US" sz="1200" spc="-1" strike="noStrike">
+                <a:solidFill>
+                  <a:srgbClr val="333333"/>
+                </a:solidFill>
+                <a:latin typeface="Calibri"/>
+              </a:rPr>
+              <a:t>betweenness</a:t>
+            </a:r>
+            <a:r>
+              <a:rPr b="0" lang="en-US" sz="2400" spc="-1" strike="noStrike">
+                <a:solidFill>
+                  <a:srgbClr val="333333"/>
+                </a:solidFill>
+                <a:latin typeface="Calibri"/>
+              </a:rPr>
+              <a:t> </a:t>
+            </a:r>
+            <a:endParaRPr b="0" lang="en-US" sz="2400" spc="-1" strike="noStrike">
+              <a:solidFill>
+                <a:srgbClr val="333333"/>
+              </a:solidFill>
+              <a:latin typeface="Calibri"/>
+            </a:endParaRPr>
+          </a:p>
+        </p:txBody>
+      </p:sp>
+    </p:spTree>
+  </p:cSld>
+  <p:timing>
+    <p:tnLst>
+      <p:par>
+        <p:cTn id="23" dur="indefinite" restart="never" nodeType="tmRoot">
+          <p:childTnLst>
+            <p:seq>
+              <p:cTn id="24" dur="indefinite" nodeType="mainSeq"/>
               <p:prevCondLst>
                 <p:cond delay="0" evt="onPrev">
                   <p:tgtEl>
@@ -2643,7 +2933,7 @@
                 </a:solidFill>
                 <a:latin typeface="Calibri"/>
               </a:rPr>
-              <a:t>(a) visualize data, show data in a condended form</a:t>
+              <a:t>(a) visualize data, show data in a condensed form</a:t>
             </a:r>
             <a:br/>
             <a:r>
